--- a/advancedgit.pptx
+++ b/advancedgit.pptx
@@ -23,6 +23,7 @@
     <p:sldId id="271" r:id="rId17"/>
     <p:sldId id="272" r:id="rId18"/>
     <p:sldId id="273" r:id="rId19"/>
+    <p:sldId id="274" r:id="rId20"/>
   </p:sldIdLst>
   <p:sldSz cx="12192000" cy="6858000"/>
   <p:notesSz cx="6858000" cy="9144000"/>
@@ -121,6 +122,11 @@
       </a:defRPr>
     </a:lvl9pPr>
   </p:defaultTextStyle>
+  <p:extLst>
+    <p:ext uri="{EFAFB233-063F-42B5-8137-9DF3F51BA10A}">
+      <p15:sldGuideLst xmlns:p15="http://schemas.microsoft.com/office/powerpoint/2012/main"/>
+    </p:ext>
+  </p:extLst>
 </p:presentation>
 </file>
 
@@ -4214,11 +4220,7 @@
           <a:p>
             <a:r>
               <a:rPr lang="en-US" dirty="0" smtClean="0"/>
-              <a:t>Rebasing: </a:t>
-            </a:r>
-            <a:r>
-              <a:rPr lang="en-US" dirty="0" smtClean="0"/>
-              <a:t>’transplant’ changes onto the other branch</a:t>
+              <a:t>Rebasing: ’transplant’ changes onto the other branch</a:t>
             </a:r>
             <a:br>
               <a:rPr lang="en-US" dirty="0" smtClean="0"/>
@@ -5002,6 +5004,269 @@
 </p:sld>
 </file>
 
+<file path=ppt/slides/slide19.xml><?xml version="1.0" encoding="utf-8"?>
+<p:sld xmlns:a="http://schemas.openxmlformats.org/drawingml/2006/main" xmlns:r="http://schemas.openxmlformats.org/officeDocument/2006/relationships" xmlns:p="http://schemas.openxmlformats.org/presentationml/2006/main">
+  <p:cSld>
+    <p:spTree>
+      <p:nvGrpSpPr>
+        <p:cNvPr id="1" name=""/>
+        <p:cNvGrpSpPr/>
+        <p:nvPr/>
+      </p:nvGrpSpPr>
+      <p:grpSpPr>
+        <a:xfrm>
+          <a:off x="0" y="0"/>
+          <a:ext cx="0" cy="0"/>
+          <a:chOff x="0" y="0"/>
+          <a:chExt cx="0" cy="0"/>
+        </a:xfrm>
+      </p:grpSpPr>
+      <p:sp>
+        <p:nvSpPr>
+          <p:cNvPr id="2" name="Title 1"/>
+          <p:cNvSpPr>
+            <a:spLocks noGrp="1"/>
+          </p:cNvSpPr>
+          <p:nvPr>
+            <p:ph type="title"/>
+          </p:nvPr>
+        </p:nvSpPr>
+        <p:spPr/>
+        <p:txBody>
+          <a:bodyPr/>
+          <a:lstStyle/>
+          <a:p>
+            <a:r>
+              <a:rPr lang="en-US" dirty="0" smtClean="0"/>
+              <a:t>Branching models</a:t>
+            </a:r>
+            <a:endParaRPr lang="en-US" dirty="0"/>
+          </a:p>
+        </p:txBody>
+      </p:sp>
+      <p:sp>
+        <p:nvSpPr>
+          <p:cNvPr id="3" name="Content Placeholder 2"/>
+          <p:cNvSpPr>
+            <a:spLocks noGrp="1"/>
+          </p:cNvSpPr>
+          <p:nvPr>
+            <p:ph idx="1"/>
+          </p:nvPr>
+        </p:nvSpPr>
+        <p:spPr>
+          <a:xfrm>
+            <a:off x="838200" y="1408176"/>
+            <a:ext cx="10515600" cy="5102352"/>
+          </a:xfrm>
+        </p:spPr>
+        <p:txBody>
+          <a:bodyPr>
+            <a:normAutofit fontScale="92500" lnSpcReduction="10000"/>
+          </a:bodyPr>
+          <a:lstStyle/>
+          <a:p>
+            <a:r>
+              <a:rPr lang="en-US" dirty="0" smtClean="0"/>
+              <a:t>Use topic branches to implement ‘new stuff’	</a:t>
+            </a:r>
+          </a:p>
+          <a:p>
+            <a:pPr lvl="1"/>
+            <a:r>
+              <a:rPr lang="en-US" dirty="0" smtClean="0"/>
+              <a:t>aka ’feature branches’</a:t>
+            </a:r>
+          </a:p>
+          <a:p>
+            <a:r>
+              <a:rPr lang="en-US" dirty="0" smtClean="0"/>
+              <a:t>Use  the </a:t>
+            </a:r>
+            <a:r>
+              <a:rPr lang="en-US" dirty="0" smtClean="0">
+                <a:solidFill>
+                  <a:schemeClr val="accent1"/>
+                </a:solidFill>
+              </a:rPr>
+              <a:t>master</a:t>
+            </a:r>
+            <a:r>
+              <a:rPr lang="en-US" dirty="0" smtClean="0"/>
+              <a:t> branch for integrating </a:t>
+            </a:r>
+            <a:r>
+              <a:rPr lang="is-IS" dirty="0" smtClean="0"/>
+              <a:t>…</a:t>
+            </a:r>
+            <a:endParaRPr lang="en-US" dirty="0" smtClean="0"/>
+          </a:p>
+          <a:p>
+            <a:pPr lvl="1"/>
+            <a:r>
+              <a:rPr lang="en-US" dirty="0" smtClean="0"/>
+              <a:t>Don’t commit to master</a:t>
+            </a:r>
+          </a:p>
+          <a:p>
+            <a:r>
+              <a:rPr lang="is-IS" dirty="0" smtClean="0"/>
+              <a:t>… and for releasing</a:t>
+            </a:r>
+          </a:p>
+          <a:p>
+            <a:pPr lvl="1"/>
+            <a:r>
+              <a:rPr lang="is-IS" dirty="0" smtClean="0"/>
+              <a:t>e.g. </a:t>
+            </a:r>
+            <a:r>
+              <a:rPr lang="is-IS" dirty="0" smtClean="0">
+                <a:solidFill>
+                  <a:schemeClr val="accent1"/>
+                </a:solidFill>
+              </a:rPr>
+              <a:t>$ git branch ‘release2.1’</a:t>
+            </a:r>
+          </a:p>
+          <a:p>
+            <a:r>
+              <a:rPr lang="is-IS" dirty="0" smtClean="0"/>
+              <a:t>On local branch, integrate upstream changes using </a:t>
+            </a:r>
+            <a:r>
+              <a:rPr lang="is-IS" dirty="0" smtClean="0">
+                <a:solidFill>
+                  <a:schemeClr val="accent1"/>
+                </a:solidFill>
+              </a:rPr>
+              <a:t>$ git rebase</a:t>
+            </a:r>
+          </a:p>
+          <a:p>
+            <a:pPr lvl="1"/>
+            <a:r>
+              <a:rPr lang="is-IS" dirty="0" smtClean="0"/>
+              <a:t>often, but certainly before merging </a:t>
+            </a:r>
+            <a:r>
+              <a:rPr lang="is-IS" dirty="0"/>
+              <a:t>into </a:t>
+            </a:r>
+            <a:r>
+              <a:rPr lang="is-IS" dirty="0" smtClean="0">
+                <a:solidFill>
+                  <a:schemeClr val="accent1"/>
+                </a:solidFill>
+              </a:rPr>
+              <a:t>master</a:t>
+            </a:r>
+          </a:p>
+          <a:p>
+            <a:r>
+              <a:rPr lang="is-IS" dirty="0" smtClean="0"/>
+              <a:t>When merging into master, </a:t>
+            </a:r>
+            <a:r>
+              <a:rPr lang="is-IS" dirty="0" smtClean="0">
+                <a:solidFill>
+                  <a:srgbClr val="FF0000"/>
+                </a:solidFill>
+              </a:rPr>
+              <a:t>avoid fast-forwards</a:t>
+            </a:r>
+            <a:r>
+              <a:rPr lang="is-IS" dirty="0" smtClean="0">
+                <a:solidFill>
+                  <a:schemeClr val="accent1"/>
+                </a:solidFill>
+              </a:rPr>
+              <a:t/>
+            </a:r>
+            <a:br>
+              <a:rPr lang="is-IS" dirty="0" smtClean="0">
+                <a:solidFill>
+                  <a:schemeClr val="accent1"/>
+                </a:solidFill>
+              </a:rPr>
+            </a:br>
+            <a:r>
+              <a:rPr lang="is-IS" dirty="0" smtClean="0">
+                <a:solidFill>
+                  <a:schemeClr val="accent1"/>
+                </a:solidFill>
+              </a:rPr>
+              <a:t>$ git co master</a:t>
+            </a:r>
+            <a:br>
+              <a:rPr lang="is-IS" dirty="0" smtClean="0">
+                <a:solidFill>
+                  <a:schemeClr val="accent1"/>
+                </a:solidFill>
+              </a:rPr>
+            </a:br>
+            <a:r>
+              <a:rPr lang="is-IS" dirty="0" smtClean="0">
+                <a:solidFill>
+                  <a:schemeClr val="accent1"/>
+                </a:solidFill>
+              </a:rPr>
+              <a:t>$ git merge </a:t>
+            </a:r>
+            <a:r>
+              <a:rPr lang="is-IS" dirty="0" smtClean="0">
+                <a:solidFill>
+                  <a:srgbClr val="FF0000"/>
+                </a:solidFill>
+              </a:rPr>
+              <a:t>–no-ff </a:t>
+            </a:r>
+            <a:r>
+              <a:rPr lang="is-IS" i="1" dirty="0" smtClean="0">
+                <a:solidFill>
+                  <a:schemeClr val="accent1"/>
+                </a:solidFill>
+              </a:rPr>
+              <a:t>mytopicbranch</a:t>
+            </a:r>
+            <a:br>
+              <a:rPr lang="is-IS" i="1" dirty="0" smtClean="0">
+                <a:solidFill>
+                  <a:schemeClr val="accent1"/>
+                </a:solidFill>
+              </a:rPr>
+            </a:br>
+            <a:r>
+              <a:rPr lang="is-IS" dirty="0" smtClean="0">
+                <a:solidFill>
+                  <a:schemeClr val="accent1"/>
+                </a:solidFill>
+              </a:rPr>
+              <a:t>$ git push</a:t>
+            </a:r>
+          </a:p>
+          <a:p>
+            <a:r>
+              <a:rPr lang="is-IS" dirty="0" smtClean="0"/>
+              <a:t>This keeps clear who did what when: there is always a ‘merge commit’</a:t>
+            </a:r>
+            <a:endParaRPr lang="en-US" dirty="0"/>
+          </a:p>
+        </p:txBody>
+      </p:sp>
+    </p:spTree>
+    <p:extLst>
+      <p:ext uri="{BB962C8B-B14F-4D97-AF65-F5344CB8AC3E}">
+        <p14:creationId xmlns:p14="http://schemas.microsoft.com/office/powerpoint/2010/main" val="1972185427"/>
+      </p:ext>
+    </p:extLst>
+  </p:cSld>
+  <p:clrMapOvr>
+    <a:masterClrMapping/>
+  </p:clrMapOvr>
+</p:sld>
+</file>
+
 <file path=ppt/slides/slide2.xml><?xml version="1.0" encoding="utf-8"?>
 <p:sld xmlns:a="http://schemas.openxmlformats.org/drawingml/2006/main" xmlns:r="http://schemas.openxmlformats.org/officeDocument/2006/relationships" xmlns:p="http://schemas.openxmlformats.org/presentationml/2006/main">
   <p:cSld>
@@ -5758,7 +6023,9 @@
         </p:nvSpPr>
         <p:spPr/>
         <p:txBody>
-          <a:bodyPr/>
+          <a:bodyPr>
+            <a:normAutofit lnSpcReduction="10000"/>
+          </a:bodyPr>
           <a:lstStyle/>
           <a:p>
             <a:r>
@@ -5776,14 +6043,102 @@
           <a:p>
             <a:r>
               <a:rPr lang="en-US" dirty="0" smtClean="0"/>
-              <a:t>Branches are cheap</a:t>
-            </a:r>
-          </a:p>
-          <a:p>
-            <a:r>
-              <a:rPr lang="en-US" dirty="0" smtClean="0"/>
-              <a:t>They help organize the flow of development</a:t>
-            </a:r>
+              <a:t>Branches are </a:t>
+            </a:r>
+            <a:r>
+              <a:rPr lang="en-US" dirty="0" smtClean="0"/>
+              <a:t>cheap!</a:t>
+            </a:r>
+            <a:endParaRPr lang="en-US" dirty="0" smtClean="0"/>
+          </a:p>
+          <a:p>
+            <a:r>
+              <a:rPr lang="en-US" dirty="0" smtClean="0"/>
+              <a:t>They help organize the flow of </a:t>
+            </a:r>
+            <a:r>
+              <a:rPr lang="en-US" dirty="0" smtClean="0"/>
+              <a:t>development</a:t>
+            </a:r>
+          </a:p>
+          <a:p>
+            <a:r>
+              <a:rPr lang="en-US" dirty="0" smtClean="0"/>
+              <a:t>Use </a:t>
+            </a:r>
+            <a:r>
+              <a:rPr lang="en-US" dirty="0"/>
+              <a:t>topic branches to implement ‘new stuff’	</a:t>
+            </a:r>
+          </a:p>
+          <a:p>
+            <a:pPr lvl="1"/>
+            <a:r>
+              <a:rPr lang="en-US" dirty="0"/>
+              <a:t>aka ’feature branches’</a:t>
+            </a:r>
+          </a:p>
+          <a:p>
+            <a:r>
+              <a:rPr lang="en-US" dirty="0"/>
+              <a:t>Use  the </a:t>
+            </a:r>
+            <a:r>
+              <a:rPr lang="en-US" dirty="0">
+                <a:solidFill>
+                  <a:schemeClr val="accent1"/>
+                </a:solidFill>
+              </a:rPr>
+              <a:t>master</a:t>
+            </a:r>
+            <a:r>
+              <a:rPr lang="en-US" dirty="0"/>
+              <a:t> branch for integrating </a:t>
+            </a:r>
+            <a:r>
+              <a:rPr lang="is-IS" dirty="0"/>
+              <a:t>…</a:t>
+            </a:r>
+            <a:endParaRPr lang="en-US" dirty="0"/>
+          </a:p>
+          <a:p>
+            <a:pPr lvl="1"/>
+            <a:r>
+              <a:rPr lang="en-US" dirty="0" smtClean="0"/>
+              <a:t>don’t </a:t>
+            </a:r>
+            <a:r>
+              <a:rPr lang="en-US" dirty="0"/>
+              <a:t>commit to master</a:t>
+            </a:r>
+          </a:p>
+          <a:p>
+            <a:r>
+              <a:rPr lang="is-IS" dirty="0"/>
+              <a:t>… and for releasing</a:t>
+            </a:r>
+          </a:p>
+          <a:p>
+            <a:pPr lvl="1"/>
+            <a:r>
+              <a:rPr lang="is-IS" dirty="0"/>
+              <a:t>e.g. </a:t>
+            </a:r>
+            <a:r>
+              <a:rPr lang="is-IS" dirty="0">
+                <a:solidFill>
+                  <a:schemeClr val="accent1"/>
+                </a:solidFill>
+              </a:rPr>
+              <a:t>$ git branch ‘release2.1’</a:t>
+            </a:r>
+            <a:endParaRPr lang="en-US" dirty="0">
+              <a:solidFill>
+                <a:schemeClr val="accent1"/>
+              </a:solidFill>
+            </a:endParaRPr>
+          </a:p>
+          <a:p>
             <a:endParaRPr lang="en-US" dirty="0"/>
           </a:p>
         </p:txBody>
@@ -6243,8 +6598,8 @@
         </p:blipFill>
         <p:spPr bwMode="auto">
           <a:xfrm>
-            <a:off x="0" y="541866"/>
-            <a:ext cx="12526050" cy="5996846"/>
+            <a:off x="147203" y="633306"/>
+            <a:ext cx="11206597" cy="5365158"/>
           </a:xfrm>
           <a:prstGeom prst="rect">
             <a:avLst/>
